--- a/Lesson4/Lesson 4.pptx
+++ b/Lesson4/Lesson 4.pptx
@@ -18,7 +18,9 @@
     <p:sldId id="262" r:id="rId12"/>
     <p:sldId id="270" r:id="rId13"/>
     <p:sldId id="263" r:id="rId14"/>
-    <p:sldId id="271" r:id="rId15"/>
+    <p:sldId id="273" r:id="rId15"/>
+    <p:sldId id="272" r:id="rId16"/>
+    <p:sldId id="271" r:id="rId17"/>
   </p:sldIdLst>
   <p:sldSz cx="12192000" cy="6858000"/>
   <p:notesSz cx="6858000" cy="9144000"/>
@@ -3815,7 +3817,7 @@
           <a:p>
             <a:r>
               <a:rPr lang="en-US" dirty="0"/>
-              <a:t>Readings</a:t>
+              <a:t>Readings and Practice (1)</a:t>
             </a:r>
           </a:p>
         </p:txBody>
@@ -3838,7 +3840,9 @@
         </p:nvSpPr>
         <p:spPr/>
         <p:txBody>
-          <a:bodyPr/>
+          <a:bodyPr>
+            <a:normAutofit lnSpcReduction="10000"/>
+          </a:bodyPr>
           <a:lstStyle/>
           <a:p>
             <a:r>
@@ -3868,33 +3872,54 @@
           <a:p>
             <a:r>
               <a:rPr lang="en-US" dirty="0"/>
-              <a:t>W3school</a:t>
-            </a:r>
+              <a:t>W3school – practice CSS (following slides has the elements on which to focus)</a:t>
+            </a:r>
+          </a:p>
+          <a:p>
+            <a:endParaRPr lang="en-US" dirty="0"/>
+          </a:p>
+          <a:p>
+            <a:r>
+              <a:rPr lang="en-US" dirty="0"/>
+              <a:t>Recommended: listen to </a:t>
+            </a:r>
+            <a:r>
+              <a:rPr lang="en-US" b="1" dirty="0">
+                <a:hlinkClick r:id="rId4"/>
+              </a:rPr>
+              <a:t>Level Up With CSS - Part 1</a:t>
+            </a:r>
+            <a:r>
+              <a:rPr lang="en-US" b="1" dirty="0"/>
+              <a:t> and </a:t>
+            </a:r>
+            <a:r>
+              <a:rPr lang="en-US" b="1" dirty="0">
+                <a:hlinkClick r:id="rId5"/>
+              </a:rPr>
+              <a:t>Level Up With CSS - Part 2</a:t>
+            </a:r>
+            <a:r>
+              <a:rPr lang="en-US" b="1" dirty="0"/>
+              <a:t> on </a:t>
+            </a:r>
+            <a:r>
+              <a:rPr lang="en-US" dirty="0">
+                <a:hlinkClick r:id="rId6"/>
+              </a:rPr>
+              <a:t>https://ladybug.dev/</a:t>
+            </a:r>
+            <a:r>
+              <a:rPr lang="en-US" dirty="0"/>
+              <a:t> or wherever you get your podcasts. It’s a great CSS discussion from a practitioner and teacher. </a:t>
+            </a:r>
+            <a:endParaRPr lang="en-US" b="1" dirty="0"/>
           </a:p>
           <a:p>
             <a:pPr marL="0" indent="0">
               <a:buNone/>
             </a:pPr>
             <a:endParaRPr lang="en-US" b="1" dirty="0"/>
-          </a:p>
-          <a:p>
-            <a:pPr marL="0" indent="0">
-              <a:buNone/>
-            </a:pPr>
-            <a:r>
-              <a:rPr lang="en-US" b="1" dirty="0"/>
-              <a:t>TODO</a:t>
-            </a:r>
-            <a:r>
-              <a:rPr lang="en-US" dirty="0"/>
-              <a:t>: </a:t>
-            </a:r>
-          </a:p>
-          <a:p>
-            <a:r>
-              <a:rPr lang="en-US" dirty="0"/>
-              <a:t>Create a 2 page CSS cheat sheet and publish it on GitHub</a:t>
-            </a:r>
           </a:p>
           <a:p>
             <a:endParaRPr lang="en-US" dirty="0"/>
@@ -3942,6 +3967,708 @@
           <p:cNvPr id="2" name="Title 1">
             <a:extLst>
               <a:ext uri="{FF2B5EF4-FFF2-40B4-BE49-F238E27FC236}">
+                <a16:creationId xmlns:a16="http://schemas.microsoft.com/office/drawing/2014/main" id="{DF540DE1-4A86-4882-A69A-D11BFEEA62FB}"/>
+              </a:ext>
+            </a:extLst>
+          </p:cNvPr>
+          <p:cNvSpPr>
+            <a:spLocks noGrp="1"/>
+          </p:cNvSpPr>
+          <p:nvPr>
+            <p:ph type="title"/>
+          </p:nvPr>
+        </p:nvSpPr>
+        <p:spPr>
+          <a:xfrm>
+            <a:off x="838200" y="365126"/>
+            <a:ext cx="10515600" cy="596900"/>
+          </a:xfrm>
+        </p:spPr>
+        <p:txBody>
+          <a:bodyPr>
+            <a:normAutofit fontScale="90000"/>
+          </a:bodyPr>
+          <a:lstStyle/>
+          <a:p>
+            <a:r>
+              <a:rPr lang="en-US" dirty="0"/>
+              <a:t>Readings and Practice (2)</a:t>
+            </a:r>
+          </a:p>
+        </p:txBody>
+      </p:sp>
+      <p:sp>
+        <p:nvSpPr>
+          <p:cNvPr id="3" name="Content Placeholder 2">
+            <a:extLst>
+              <a:ext uri="{FF2B5EF4-FFF2-40B4-BE49-F238E27FC236}">
+                <a16:creationId xmlns:a16="http://schemas.microsoft.com/office/drawing/2014/main" id="{553F2103-8D5C-4AC9-A7E3-0BB0FE60D0E7}"/>
+              </a:ext>
+            </a:extLst>
+          </p:cNvPr>
+          <p:cNvSpPr>
+            <a:spLocks noGrp="1"/>
+          </p:cNvSpPr>
+          <p:nvPr>
+            <p:ph idx="1"/>
+          </p:nvPr>
+        </p:nvSpPr>
+        <p:spPr>
+          <a:xfrm>
+            <a:off x="838200" y="1152525"/>
+            <a:ext cx="10515600" cy="596900"/>
+          </a:xfrm>
+        </p:spPr>
+        <p:txBody>
+          <a:bodyPr>
+            <a:normAutofit/>
+          </a:bodyPr>
+          <a:lstStyle/>
+          <a:p>
+            <a:r>
+              <a:rPr lang="en-US" dirty="0"/>
+              <a:t>Go to </a:t>
+            </a:r>
+            <a:r>
+              <a:rPr lang="en-US" u="sng" dirty="0">
+                <a:hlinkClick r:id="rId2"/>
+              </a:rPr>
+              <a:t>CSS Tutorial</a:t>
+            </a:r>
+            <a:r>
+              <a:rPr lang="en-US" dirty="0"/>
+              <a:t> and practice the following:</a:t>
+            </a:r>
+          </a:p>
+          <a:p>
+            <a:pPr marL="0" indent="0">
+              <a:buNone/>
+            </a:pPr>
+            <a:endParaRPr lang="en-US" dirty="0"/>
+          </a:p>
+        </p:txBody>
+      </p:sp>
+      <p:graphicFrame>
+        <p:nvGraphicFramePr>
+          <p:cNvPr id="4" name="Table 4">
+            <a:extLst>
+              <a:ext uri="{FF2B5EF4-FFF2-40B4-BE49-F238E27FC236}">
+                <a16:creationId xmlns:a16="http://schemas.microsoft.com/office/drawing/2014/main" id="{95C181E2-55B8-447B-894B-E239BD9EB5EC}"/>
+              </a:ext>
+            </a:extLst>
+          </p:cNvPr>
+          <p:cNvGraphicFramePr>
+            <a:graphicFrameLocks noGrp="1"/>
+          </p:cNvGraphicFramePr>
+          <p:nvPr>
+            <p:extLst>
+              <p:ext uri="{D42A27DB-BD31-4B8C-83A1-F6EECF244321}">
+                <p14:modId xmlns:p14="http://schemas.microsoft.com/office/powerpoint/2010/main" val="3183073027"/>
+              </p:ext>
+            </p:extLst>
+          </p:nvPr>
+        </p:nvGraphicFramePr>
+        <p:xfrm>
+          <a:off x="838200" y="1685395"/>
+          <a:ext cx="10229850" cy="3487209"/>
+        </p:xfrm>
+        <a:graphic>
+          <a:graphicData uri="http://schemas.openxmlformats.org/drawingml/2006/table">
+            <a:tbl>
+              <a:tblPr firstRow="1" bandRow="1">
+                <a:tableStyleId>{5C22544A-7EE6-4342-B048-85BDC9FD1C3A}</a:tableStyleId>
+              </a:tblPr>
+              <a:tblGrid>
+                <a:gridCol w="5114925">
+                  <a:extLst>
+                    <a:ext uri="{9D8B030D-6E8A-4147-A177-3AD203B41FA5}">
+                      <a16:colId xmlns:a16="http://schemas.microsoft.com/office/drawing/2014/main" val="3994133279"/>
+                    </a:ext>
+                  </a:extLst>
+                </a:gridCol>
+                <a:gridCol w="5114925">
+                  <a:extLst>
+                    <a:ext uri="{9D8B030D-6E8A-4147-A177-3AD203B41FA5}">
+                      <a16:colId xmlns:a16="http://schemas.microsoft.com/office/drawing/2014/main" val="2856556492"/>
+                    </a:ext>
+                  </a:extLst>
+                </a:gridCol>
+              </a:tblGrid>
+              <a:tr h="3487209">
+                <a:tc>
+                  <a:txBody>
+                    <a:bodyPr/>
+                    <a:lstStyle/>
+                    <a:p>
+                      <a:endParaRPr lang="en-US" sz="2400" dirty="0">
+                        <a:latin typeface="+mn-lt"/>
+                      </a:endParaRPr>
+                    </a:p>
+                  </a:txBody>
+                  <a:tcPr>
+                    <a:lnL w="12700" cap="flat" cmpd="sng" algn="ctr">
+                      <a:solidFill>
+                        <a:schemeClr val="tx1"/>
+                      </a:solidFill>
+                      <a:prstDash val="solid"/>
+                      <a:round/>
+                      <a:headEnd type="none" w="med" len="med"/>
+                      <a:tailEnd type="none" w="med" len="med"/>
+                    </a:lnL>
+                    <a:lnR w="12700" cap="flat" cmpd="sng" algn="ctr">
+                      <a:solidFill>
+                        <a:schemeClr val="tx1"/>
+                      </a:solidFill>
+                      <a:prstDash val="solid"/>
+                      <a:round/>
+                      <a:headEnd type="none" w="med" len="med"/>
+                      <a:tailEnd type="none" w="med" len="med"/>
+                    </a:lnR>
+                    <a:lnT w="12700" cap="flat" cmpd="sng" algn="ctr">
+                      <a:solidFill>
+                        <a:schemeClr val="tx1"/>
+                      </a:solidFill>
+                      <a:prstDash val="solid"/>
+                      <a:round/>
+                      <a:headEnd type="none" w="med" len="med"/>
+                      <a:tailEnd type="none" w="med" len="med"/>
+                    </a:lnT>
+                    <a:lnB w="12700" cap="flat" cmpd="sng" algn="ctr">
+                      <a:solidFill>
+                        <a:schemeClr val="tx1"/>
+                      </a:solidFill>
+                      <a:prstDash val="solid"/>
+                      <a:round/>
+                      <a:headEnd type="none" w="med" len="med"/>
+                      <a:tailEnd type="none" w="med" len="med"/>
+                    </a:lnB>
+                    <a:solidFill>
+                      <a:schemeClr val="accent6">
+                        <a:lumMod val="20000"/>
+                        <a:lumOff val="80000"/>
+                      </a:schemeClr>
+                    </a:solidFill>
+                  </a:tcPr>
+                </a:tc>
+                <a:tc>
+                  <a:txBody>
+                    <a:bodyPr/>
+                    <a:lstStyle/>
+                    <a:p>
+                      <a:r>
+                        <a:rPr lang="en-US" sz="2400" u="sng" dirty="0">
+                          <a:latin typeface="+mn-lt"/>
+                          <a:hlinkClick r:id="rId3"/>
+                        </a:rPr>
+                        <a:t>CSS Fonts</a:t>
+                      </a:r>
+                      <a:endParaRPr lang="en-US" sz="2400" dirty="0">
+                        <a:latin typeface="+mn-lt"/>
+                      </a:endParaRPr>
+                    </a:p>
+                    <a:p>
+                      <a:r>
+                        <a:rPr lang="en-US" sz="2400" u="sng" dirty="0">
+                          <a:latin typeface="+mn-lt"/>
+                          <a:hlinkClick r:id="rId4"/>
+                        </a:rPr>
+                        <a:t>CSS Layout - The display Property</a:t>
+                      </a:r>
+                      <a:endParaRPr lang="en-US" sz="2400" dirty="0">
+                        <a:latin typeface="+mn-lt"/>
+                      </a:endParaRPr>
+                    </a:p>
+                    <a:p>
+                      <a:r>
+                        <a:rPr lang="en-US" sz="2400" u="sng" dirty="0">
+                          <a:latin typeface="+mn-lt"/>
+                          <a:hlinkClick r:id="rId5"/>
+                        </a:rPr>
+                        <a:t>CSS Layout - The position Property</a:t>
+                      </a:r>
+                      <a:endParaRPr lang="en-US" sz="2400" dirty="0">
+                        <a:latin typeface="+mn-lt"/>
+                      </a:endParaRPr>
+                    </a:p>
+                    <a:p>
+                      <a:r>
+                        <a:rPr lang="en-US" sz="2400" u="sng" dirty="0">
+                          <a:latin typeface="+mn-lt"/>
+                          <a:hlinkClick r:id="rId6"/>
+                        </a:rPr>
+                        <a:t>CSS Layout - inline-block</a:t>
+                      </a:r>
+                      <a:endParaRPr lang="en-US" sz="2400" dirty="0">
+                        <a:latin typeface="+mn-lt"/>
+                      </a:endParaRPr>
+                    </a:p>
+                    <a:p>
+                      <a:r>
+                        <a:rPr lang="en-US" sz="2400" u="sng" dirty="0">
+                          <a:latin typeface="+mn-lt"/>
+                          <a:hlinkClick r:id="rId7"/>
+                        </a:rPr>
+                        <a:t>CSS Pseudo-classes</a:t>
+                      </a:r>
+                      <a:endParaRPr lang="en-US" sz="2400" dirty="0">
+                        <a:latin typeface="+mn-lt"/>
+                      </a:endParaRPr>
+                    </a:p>
+                    <a:p>
+                      <a:r>
+                        <a:rPr lang="en-US" sz="2400" u="sng" dirty="0">
+                          <a:latin typeface="+mn-lt"/>
+                          <a:hlinkClick r:id="rId8"/>
+                        </a:rPr>
+                        <a:t>CSS Pseudo-elements</a:t>
+                      </a:r>
+                      <a:endParaRPr lang="en-US" sz="2400" dirty="0">
+                        <a:latin typeface="+mn-lt"/>
+                      </a:endParaRPr>
+                    </a:p>
+                    <a:p>
+                      <a:r>
+                        <a:rPr lang="en-US" sz="2400" u="sng" dirty="0">
+                          <a:latin typeface="+mn-lt"/>
+                          <a:hlinkClick r:id="rId9"/>
+                        </a:rPr>
+                        <a:t>CSS Styling Lists</a:t>
+                      </a:r>
+                      <a:endParaRPr lang="en-US" sz="2400" dirty="0">
+                        <a:latin typeface="+mn-lt"/>
+                      </a:endParaRPr>
+                    </a:p>
+                    <a:p>
+                      <a:r>
+                        <a:rPr lang="en-US" sz="2400" u="sng" dirty="0">
+                          <a:latin typeface="+mn-lt"/>
+                          <a:hlinkClick r:id="rId10"/>
+                        </a:rPr>
+                        <a:t>CSS Styling Tables</a:t>
+                      </a:r>
+                      <a:endParaRPr lang="en-US" sz="2400" dirty="0">
+                        <a:latin typeface="+mn-lt"/>
+                      </a:endParaRPr>
+                    </a:p>
+                    <a:p>
+                      <a:r>
+                        <a:rPr lang="en-US" sz="2400" u="sng" dirty="0">
+                          <a:latin typeface="+mn-lt"/>
+                          <a:hlinkClick r:id="rId11"/>
+                        </a:rPr>
+                        <a:t>CSS Layout - width and max-width</a:t>
+                      </a:r>
+                      <a:endParaRPr lang="en-US" sz="2400" dirty="0">
+                        <a:latin typeface="+mn-lt"/>
+                      </a:endParaRPr>
+                    </a:p>
+                  </a:txBody>
+                  <a:tcPr>
+                    <a:lnL w="12700" cap="flat" cmpd="sng" algn="ctr">
+                      <a:solidFill>
+                        <a:schemeClr val="tx1"/>
+                      </a:solidFill>
+                      <a:prstDash val="solid"/>
+                      <a:round/>
+                      <a:headEnd type="none" w="med" len="med"/>
+                      <a:tailEnd type="none" w="med" len="med"/>
+                    </a:lnL>
+                    <a:lnR w="12700" cap="flat" cmpd="sng" algn="ctr">
+                      <a:solidFill>
+                        <a:schemeClr val="tx1"/>
+                      </a:solidFill>
+                      <a:prstDash val="solid"/>
+                      <a:round/>
+                      <a:headEnd type="none" w="med" len="med"/>
+                      <a:tailEnd type="none" w="med" len="med"/>
+                    </a:lnR>
+                    <a:lnT w="12700" cap="flat" cmpd="sng" algn="ctr">
+                      <a:solidFill>
+                        <a:schemeClr val="tx1"/>
+                      </a:solidFill>
+                      <a:prstDash val="solid"/>
+                      <a:round/>
+                      <a:headEnd type="none" w="med" len="med"/>
+                      <a:tailEnd type="none" w="med" len="med"/>
+                    </a:lnT>
+                    <a:lnB w="12700" cap="flat" cmpd="sng" algn="ctr">
+                      <a:solidFill>
+                        <a:schemeClr val="tx1"/>
+                      </a:solidFill>
+                      <a:prstDash val="solid"/>
+                      <a:round/>
+                      <a:headEnd type="none" w="med" len="med"/>
+                      <a:tailEnd type="none" w="med" len="med"/>
+                    </a:lnB>
+                    <a:solidFill>
+                      <a:schemeClr val="accent6">
+                        <a:lumMod val="20000"/>
+                        <a:lumOff val="80000"/>
+                      </a:schemeClr>
+                    </a:solidFill>
+                  </a:tcPr>
+                </a:tc>
+                <a:extLst>
+                  <a:ext uri="{0D108BD9-81ED-4DB2-BD59-A6C34878D82A}">
+                    <a16:rowId xmlns:a16="http://schemas.microsoft.com/office/drawing/2014/main" val="2063439807"/>
+                  </a:ext>
+                </a:extLst>
+              </a:tr>
+            </a:tbl>
+          </a:graphicData>
+        </a:graphic>
+      </p:graphicFrame>
+      <p:sp>
+        <p:nvSpPr>
+          <p:cNvPr id="6" name="Content Placeholder 2">
+            <a:extLst>
+              <a:ext uri="{FF2B5EF4-FFF2-40B4-BE49-F238E27FC236}">
+                <a16:creationId xmlns:a16="http://schemas.microsoft.com/office/drawing/2014/main" id="{74EA5029-804D-4D8B-833B-329CE6AD60B8}"/>
+              </a:ext>
+            </a:extLst>
+          </p:cNvPr>
+          <p:cNvSpPr txBox="1">
+            <a:spLocks/>
+          </p:cNvSpPr>
+          <p:nvPr/>
+        </p:nvSpPr>
+        <p:spPr>
+          <a:xfrm>
+            <a:off x="657225" y="5334001"/>
+            <a:ext cx="11049000" cy="1316566"/>
+          </a:xfrm>
+          <a:prstGeom prst="rect">
+            <a:avLst/>
+          </a:prstGeom>
+        </p:spPr>
+        <p:txBody>
+          <a:bodyPr vert="horz" lIns="91440" tIns="45720" rIns="91440" bIns="45720" rtlCol="0">
+            <a:normAutofit fontScale="62500" lnSpcReduction="20000"/>
+          </a:bodyPr>
+          <a:lstStyle>
+            <a:lvl1pPr marL="228600" indent="-228600" algn="l" defTabSz="914400" rtl="0" eaLnBrk="1" latinLnBrk="0" hangingPunct="1">
+              <a:lnSpc>
+                <a:spcPct val="90000"/>
+              </a:lnSpc>
+              <a:spcBef>
+                <a:spcPts val="1000"/>
+              </a:spcBef>
+              <a:buFont typeface="Arial" panose="020B0604020202020204" pitchFamily="34" charset="0"/>
+              <a:buChar char="•"/>
+              <a:defRPr sz="2800" kern="1200">
+                <a:solidFill>
+                  <a:schemeClr val="tx1"/>
+                </a:solidFill>
+                <a:latin typeface="+mn-lt"/>
+                <a:ea typeface="+mn-ea"/>
+                <a:cs typeface="+mn-cs"/>
+              </a:defRPr>
+            </a:lvl1pPr>
+            <a:lvl2pPr marL="685800" indent="-228600" algn="l" defTabSz="914400" rtl="0" eaLnBrk="1" latinLnBrk="0" hangingPunct="1">
+              <a:lnSpc>
+                <a:spcPct val="90000"/>
+              </a:lnSpc>
+              <a:spcBef>
+                <a:spcPts val="500"/>
+              </a:spcBef>
+              <a:buFont typeface="Arial" panose="020B0604020202020204" pitchFamily="34" charset="0"/>
+              <a:buChar char="•"/>
+              <a:defRPr sz="2400" kern="1200">
+                <a:solidFill>
+                  <a:schemeClr val="tx1"/>
+                </a:solidFill>
+                <a:latin typeface="+mn-lt"/>
+                <a:ea typeface="+mn-ea"/>
+                <a:cs typeface="+mn-cs"/>
+              </a:defRPr>
+            </a:lvl2pPr>
+            <a:lvl3pPr marL="1143000" indent="-228600" algn="l" defTabSz="914400" rtl="0" eaLnBrk="1" latinLnBrk="0" hangingPunct="1">
+              <a:lnSpc>
+                <a:spcPct val="90000"/>
+              </a:lnSpc>
+              <a:spcBef>
+                <a:spcPts val="500"/>
+              </a:spcBef>
+              <a:buFont typeface="Arial" panose="020B0604020202020204" pitchFamily="34" charset="0"/>
+              <a:buChar char="•"/>
+              <a:defRPr sz="2000" kern="1200">
+                <a:solidFill>
+                  <a:schemeClr val="tx1"/>
+                </a:solidFill>
+                <a:latin typeface="+mn-lt"/>
+                <a:ea typeface="+mn-ea"/>
+                <a:cs typeface="+mn-cs"/>
+              </a:defRPr>
+            </a:lvl3pPr>
+            <a:lvl4pPr marL="1600200" indent="-228600" algn="l" defTabSz="914400" rtl="0" eaLnBrk="1" latinLnBrk="0" hangingPunct="1">
+              <a:lnSpc>
+                <a:spcPct val="90000"/>
+              </a:lnSpc>
+              <a:spcBef>
+                <a:spcPts val="500"/>
+              </a:spcBef>
+              <a:buFont typeface="Arial" panose="020B0604020202020204" pitchFamily="34" charset="0"/>
+              <a:buChar char="•"/>
+              <a:defRPr sz="1800" kern="1200">
+                <a:solidFill>
+                  <a:schemeClr val="tx1"/>
+                </a:solidFill>
+                <a:latin typeface="+mn-lt"/>
+                <a:ea typeface="+mn-ea"/>
+                <a:cs typeface="+mn-cs"/>
+              </a:defRPr>
+            </a:lvl4pPr>
+            <a:lvl5pPr marL="2057400" indent="-228600" algn="l" defTabSz="914400" rtl="0" eaLnBrk="1" latinLnBrk="0" hangingPunct="1">
+              <a:lnSpc>
+                <a:spcPct val="90000"/>
+              </a:lnSpc>
+              <a:spcBef>
+                <a:spcPts val="500"/>
+              </a:spcBef>
+              <a:buFont typeface="Arial" panose="020B0604020202020204" pitchFamily="34" charset="0"/>
+              <a:buChar char="•"/>
+              <a:defRPr sz="1800" kern="1200">
+                <a:solidFill>
+                  <a:schemeClr val="tx1"/>
+                </a:solidFill>
+                <a:latin typeface="+mn-lt"/>
+                <a:ea typeface="+mn-ea"/>
+                <a:cs typeface="+mn-cs"/>
+              </a:defRPr>
+            </a:lvl5pPr>
+            <a:lvl6pPr marL="2514600" indent="-228600" algn="l" defTabSz="914400" rtl="0" eaLnBrk="1" latinLnBrk="0" hangingPunct="1">
+              <a:lnSpc>
+                <a:spcPct val="90000"/>
+              </a:lnSpc>
+              <a:spcBef>
+                <a:spcPts val="500"/>
+              </a:spcBef>
+              <a:buFont typeface="Arial" panose="020B0604020202020204" pitchFamily="34" charset="0"/>
+              <a:buChar char="•"/>
+              <a:defRPr sz="1800" kern="1200">
+                <a:solidFill>
+                  <a:schemeClr val="tx1"/>
+                </a:solidFill>
+                <a:latin typeface="+mn-lt"/>
+                <a:ea typeface="+mn-ea"/>
+                <a:cs typeface="+mn-cs"/>
+              </a:defRPr>
+            </a:lvl6pPr>
+            <a:lvl7pPr marL="2971800" indent="-228600" algn="l" defTabSz="914400" rtl="0" eaLnBrk="1" latinLnBrk="0" hangingPunct="1">
+              <a:lnSpc>
+                <a:spcPct val="90000"/>
+              </a:lnSpc>
+              <a:spcBef>
+                <a:spcPts val="500"/>
+              </a:spcBef>
+              <a:buFont typeface="Arial" panose="020B0604020202020204" pitchFamily="34" charset="0"/>
+              <a:buChar char="•"/>
+              <a:defRPr sz="1800" kern="1200">
+                <a:solidFill>
+                  <a:schemeClr val="tx1"/>
+                </a:solidFill>
+                <a:latin typeface="+mn-lt"/>
+                <a:ea typeface="+mn-ea"/>
+                <a:cs typeface="+mn-cs"/>
+              </a:defRPr>
+            </a:lvl7pPr>
+            <a:lvl8pPr marL="3429000" indent="-228600" algn="l" defTabSz="914400" rtl="0" eaLnBrk="1" latinLnBrk="0" hangingPunct="1">
+              <a:lnSpc>
+                <a:spcPct val="90000"/>
+              </a:lnSpc>
+              <a:spcBef>
+                <a:spcPts val="500"/>
+              </a:spcBef>
+              <a:buFont typeface="Arial" panose="020B0604020202020204" pitchFamily="34" charset="0"/>
+              <a:buChar char="•"/>
+              <a:defRPr sz="1800" kern="1200">
+                <a:solidFill>
+                  <a:schemeClr val="tx1"/>
+                </a:solidFill>
+                <a:latin typeface="+mn-lt"/>
+                <a:ea typeface="+mn-ea"/>
+                <a:cs typeface="+mn-cs"/>
+              </a:defRPr>
+            </a:lvl8pPr>
+            <a:lvl9pPr marL="3886200" indent="-228600" algn="l" defTabSz="914400" rtl="0" eaLnBrk="1" latinLnBrk="0" hangingPunct="1">
+              <a:lnSpc>
+                <a:spcPct val="90000"/>
+              </a:lnSpc>
+              <a:spcBef>
+                <a:spcPts val="500"/>
+              </a:spcBef>
+              <a:buFont typeface="Arial" panose="020B0604020202020204" pitchFamily="34" charset="0"/>
+              <a:buChar char="•"/>
+              <a:defRPr sz="1800" kern="1200">
+                <a:solidFill>
+                  <a:schemeClr val="tx1"/>
+                </a:solidFill>
+                <a:latin typeface="+mn-lt"/>
+                <a:ea typeface="+mn-ea"/>
+                <a:cs typeface="+mn-cs"/>
+              </a:defRPr>
+            </a:lvl9pPr>
+          </a:lstStyle>
+          <a:p>
+            <a:pPr marL="0" indent="0">
+              <a:buNone/>
+            </a:pPr>
+            <a:r>
+              <a:rPr lang="en-US" b="1" dirty="0"/>
+              <a:t>Assignment</a:t>
+            </a:r>
+            <a:r>
+              <a:rPr lang="en-US" dirty="0"/>
+              <a:t>: Create your own 2 page CSS cheat-sheet with examples of usage and public it on your GitHub project.</a:t>
+            </a:r>
+          </a:p>
+          <a:p>
+            <a:pPr marL="0" indent="0">
+              <a:buNone/>
+            </a:pPr>
+            <a:r>
+              <a:rPr lang="en-US" b="1" dirty="0">
+                <a:solidFill>
+                  <a:srgbClr val="FF0000"/>
+                </a:solidFill>
+              </a:rPr>
+              <a:t>We will have a quiz on Thursday. You will be allowed to only use your cheat-sheet. </a:t>
+            </a:r>
+            <a:r>
+              <a:rPr lang="en-US" dirty="0">
+                <a:solidFill>
+                  <a:srgbClr val="FF0000"/>
+                </a:solidFill>
+              </a:rPr>
+              <a:t> </a:t>
+            </a:r>
+          </a:p>
+          <a:p>
+            <a:pPr marL="0" indent="0">
+              <a:buNone/>
+            </a:pPr>
+            <a:r>
+              <a:rPr lang="en-US" dirty="0"/>
+              <a:t>(I do use things like that when I work on real projects, so why not. What matters is that you learn how to take bits of information and build something with it )</a:t>
+            </a:r>
+          </a:p>
+        </p:txBody>
+      </p:sp>
+    </p:spTree>
+    <p:extLst>
+      <p:ext uri="{BB962C8B-B14F-4D97-AF65-F5344CB8AC3E}">
+        <p14:creationId xmlns:p14="http://schemas.microsoft.com/office/powerpoint/2010/main" val="4023908603"/>
+      </p:ext>
+    </p:extLst>
+  </p:cSld>
+  <p:clrMapOvr>
+    <a:masterClrMapping/>
+  </p:clrMapOvr>
+</p:sld>
+</file>
+
+<file path=ppt/slides/slide15.xml><?xml version="1.0" encoding="utf-8"?>
+<p:sld xmlns:a="http://schemas.openxmlformats.org/drawingml/2006/main" xmlns:r="http://schemas.openxmlformats.org/officeDocument/2006/relationships" xmlns:p="http://schemas.openxmlformats.org/presentationml/2006/main">
+  <p:cSld>
+    <p:spTree>
+      <p:nvGrpSpPr>
+        <p:cNvPr id="1" name=""/>
+        <p:cNvGrpSpPr/>
+        <p:nvPr/>
+      </p:nvGrpSpPr>
+      <p:grpSpPr>
+        <a:xfrm>
+          <a:off x="0" y="0"/>
+          <a:ext cx="0" cy="0"/>
+          <a:chOff x="0" y="0"/>
+          <a:chExt cx="0" cy="0"/>
+        </a:xfrm>
+      </p:grpSpPr>
+      <p:sp>
+        <p:nvSpPr>
+          <p:cNvPr id="2" name="Title 1">
+            <a:extLst>
+              <a:ext uri="{FF2B5EF4-FFF2-40B4-BE49-F238E27FC236}">
+                <a16:creationId xmlns:a16="http://schemas.microsoft.com/office/drawing/2014/main" id="{2DACCCC5-2672-402E-ADEE-C3DD75CA900F}"/>
+              </a:ext>
+            </a:extLst>
+          </p:cNvPr>
+          <p:cNvSpPr>
+            <a:spLocks noGrp="1"/>
+          </p:cNvSpPr>
+          <p:nvPr>
+            <p:ph type="title"/>
+          </p:nvPr>
+        </p:nvSpPr>
+        <p:spPr/>
+        <p:txBody>
+          <a:bodyPr/>
+          <a:lstStyle/>
+          <a:p>
+            <a:endParaRPr lang="en-US"/>
+          </a:p>
+        </p:txBody>
+      </p:sp>
+      <p:sp>
+        <p:nvSpPr>
+          <p:cNvPr id="3" name="Content Placeholder 2">
+            <a:extLst>
+              <a:ext uri="{FF2B5EF4-FFF2-40B4-BE49-F238E27FC236}">
+                <a16:creationId xmlns:a16="http://schemas.microsoft.com/office/drawing/2014/main" id="{7060E818-D0E2-4509-97F8-B333FAF1374F}"/>
+              </a:ext>
+            </a:extLst>
+          </p:cNvPr>
+          <p:cNvSpPr>
+            <a:spLocks noGrp="1"/>
+          </p:cNvSpPr>
+          <p:nvPr>
+            <p:ph idx="1"/>
+          </p:nvPr>
+        </p:nvSpPr>
+        <p:spPr/>
+        <p:txBody>
+          <a:bodyPr/>
+          <a:lstStyle/>
+          <a:p>
+            <a:endParaRPr lang="en-US"/>
+          </a:p>
+        </p:txBody>
+      </p:sp>
+    </p:spTree>
+    <p:extLst>
+      <p:ext uri="{BB962C8B-B14F-4D97-AF65-F5344CB8AC3E}">
+        <p14:creationId xmlns:p14="http://schemas.microsoft.com/office/powerpoint/2010/main" val="3239967664"/>
+      </p:ext>
+    </p:extLst>
+  </p:cSld>
+  <p:clrMapOvr>
+    <a:masterClrMapping/>
+  </p:clrMapOvr>
+</p:sld>
+</file>
+
+<file path=ppt/slides/slide16.xml><?xml version="1.0" encoding="utf-8"?>
+<p:sld xmlns:a="http://schemas.openxmlformats.org/drawingml/2006/main" xmlns:r="http://schemas.openxmlformats.org/officeDocument/2006/relationships" xmlns:p="http://schemas.openxmlformats.org/presentationml/2006/main">
+  <p:cSld>
+    <p:spTree>
+      <p:nvGrpSpPr>
+        <p:cNvPr id="1" name=""/>
+        <p:cNvGrpSpPr/>
+        <p:nvPr/>
+      </p:nvGrpSpPr>
+      <p:grpSpPr>
+        <a:xfrm>
+          <a:off x="0" y="0"/>
+          <a:ext cx="0" cy="0"/>
+          <a:chOff x="0" y="0"/>
+          <a:chExt cx="0" cy="0"/>
+        </a:xfrm>
+      </p:grpSpPr>
+      <p:sp>
+        <p:nvSpPr>
+          <p:cNvPr id="2" name="Title 1">
+            <a:extLst>
+              <a:ext uri="{FF2B5EF4-FFF2-40B4-BE49-F238E27FC236}">
                 <a16:creationId xmlns:a16="http://schemas.microsoft.com/office/drawing/2014/main" id="{92D4AEE9-16F3-4ACA-B73B-00D384DCA045}"/>
               </a:ext>
             </a:extLst>
@@ -4440,7 +5167,7 @@
         </p:spPr>
         <p:txBody>
           <a:bodyPr>
-            <a:normAutofit fontScale="77500" lnSpcReduction="20000"/>
+            <a:normAutofit fontScale="70000" lnSpcReduction="20000"/>
           </a:bodyPr>
           <a:lstStyle/>
           <a:p>
@@ -4689,12 +5416,17 @@
           </a:p>
           <a:p>
             <a:pPr lvl="1"/>
-            <a:r>
-              <a:rPr lang="en-US" dirty="0">
-                <a:hlinkClick r:id="rId5"/>
-              </a:rPr>
-              <a:t>https://docs.bitnami.com/aws/faq/administration/upload-files/</a:t>
-            </a:r>
+            <a:endParaRPr lang="en-US" dirty="0"/>
+          </a:p>
+          <a:p>
+            <a:pPr lvl="1"/>
+            <a:r>
+              <a:rPr lang="en-US" dirty="0"/>
+              <a:t>Connect with WinSCP - find the file “Installing WINSCP to connect to Amazon Lightsail server.pdf” on Blackboard in week’s folder for instruction</a:t>
+            </a:r>
+          </a:p>
+          <a:p>
+            <a:pPr lvl="1"/>
             <a:endParaRPr lang="en-US" dirty="0"/>
           </a:p>
           <a:p>
@@ -4717,7 +5449,7 @@
           <p:nvPr/>
         </p:nvPicPr>
         <p:blipFill>
-          <a:blip r:embed="rId6"/>
+          <a:blip r:embed="rId5"/>
           <a:stretch>
             <a:fillRect/>
           </a:stretch>
@@ -4748,6 +5480,16 @@
 <file path=ppt/slides/slide5.xml><?xml version="1.0" encoding="utf-8"?>
 <p:sld xmlns:a="http://schemas.openxmlformats.org/drawingml/2006/main" xmlns:r="http://schemas.openxmlformats.org/officeDocument/2006/relationships" xmlns:p="http://schemas.openxmlformats.org/presentationml/2006/main">
   <p:cSld>
+    <p:bg>
+      <p:bgPr>
+        <a:solidFill>
+          <a:schemeClr val="bg2">
+            <a:lumMod val="50000"/>
+          </a:schemeClr>
+        </a:solidFill>
+        <a:effectLst/>
+      </p:bgPr>
+    </p:bg>
     <p:spTree>
       <p:nvGrpSpPr>
         <p:cNvPr id="1" name=""/>
@@ -4786,6 +5528,13 @@
             <a:r>
               <a:rPr lang="en-US" dirty="0"/>
               <a:t>PHP Gentle Introduction - Form Validation</a:t>
+            </a:r>
+            <a:br>
+              <a:rPr lang="en-US" dirty="0"/>
+            </a:br>
+            <a:r>
+              <a:rPr lang="en-US" dirty="0"/>
+              <a:t>(didn’t get the chance to go through)</a:t>
             </a:r>
           </a:p>
         </p:txBody>
